--- a/Fredrik Jung - xCore.pptx
+++ b/Fredrik Jung - xCore.pptx
@@ -120,7 +120,7 @@
   <pc:docChgLst>
     <pc:chgData name="Fredrik Jung" userId="976cd6666820994b" providerId="LiveId" clId="{46B8E8BB-A10E-4963-ABFF-776AB53D3C28}"/>
     <pc:docChg chg="undo custSel addSld modSld sldOrd">
-      <pc:chgData name="Fredrik Jung" userId="976cd6666820994b" providerId="LiveId" clId="{46B8E8BB-A10E-4963-ABFF-776AB53D3C28}" dt="2023-04-13T13:25:38.408" v="435" actId="404"/>
+      <pc:chgData name="Fredrik Jung" userId="976cd6666820994b" providerId="LiveId" clId="{46B8E8BB-A10E-4963-ABFF-776AB53D3C28}" dt="2023-04-13T14:00:50.951" v="486" actId="14100"/>
       <pc:docMkLst>
         <pc:docMk/>
       </pc:docMkLst>
@@ -275,7 +275,7 @@
         </pc:spChg>
       </pc:sldChg>
       <pc:sldChg chg="addSp delSp modSp new mod">
-        <pc:chgData name="Fredrik Jung" userId="976cd6666820994b" providerId="LiveId" clId="{46B8E8BB-A10E-4963-ABFF-776AB53D3C28}" dt="2023-04-13T13:10:35.403" v="396" actId="20577"/>
+        <pc:chgData name="Fredrik Jung" userId="976cd6666820994b" providerId="LiveId" clId="{46B8E8BB-A10E-4963-ABFF-776AB53D3C28}" dt="2023-04-13T14:00:50.951" v="486" actId="14100"/>
         <pc:sldMkLst>
           <pc:docMk/>
           <pc:sldMk cId="3933322300" sldId="258"/>
@@ -321,7 +321,7 @@
           </ac:spMkLst>
         </pc:spChg>
         <pc:spChg chg="add mod">
-          <ac:chgData name="Fredrik Jung" userId="976cd6666820994b" providerId="LiveId" clId="{46B8E8BB-A10E-4963-ABFF-776AB53D3C28}" dt="2023-04-13T13:04:15.976" v="361"/>
+          <ac:chgData name="Fredrik Jung" userId="976cd6666820994b" providerId="LiveId" clId="{46B8E8BB-A10E-4963-ABFF-776AB53D3C28}" dt="2023-04-13T14:00:50.951" v="486" actId="14100"/>
           <ac:spMkLst>
             <pc:docMk/>
             <pc:sldMk cId="3933322300" sldId="258"/>
@@ -329,7 +329,7 @@
           </ac:spMkLst>
         </pc:spChg>
         <pc:spChg chg="add mod">
-          <ac:chgData name="Fredrik Jung" userId="976cd6666820994b" providerId="LiveId" clId="{46B8E8BB-A10E-4963-ABFF-776AB53D3C28}" dt="2023-04-13T13:04:15.976" v="361"/>
+          <ac:chgData name="Fredrik Jung" userId="976cd6666820994b" providerId="LiveId" clId="{46B8E8BB-A10E-4963-ABFF-776AB53D3C28}" dt="2023-04-13T14:00:45.685" v="484" actId="14100"/>
           <ac:spMkLst>
             <pc:docMk/>
             <pc:sldMk cId="3933322300" sldId="258"/>
@@ -337,7 +337,7 @@
           </ac:spMkLst>
         </pc:spChg>
         <pc:spChg chg="add del mod">
-          <ac:chgData name="Fredrik Jung" userId="976cd6666820994b" providerId="LiveId" clId="{46B8E8BB-A10E-4963-ABFF-776AB53D3C28}" dt="2023-04-13T13:10:35.403" v="396" actId="20577"/>
+          <ac:chgData name="Fredrik Jung" userId="976cd6666820994b" providerId="LiveId" clId="{46B8E8BB-A10E-4963-ABFF-776AB53D3C28}" dt="2023-04-13T14:00:27.935" v="478" actId="1076"/>
           <ac:spMkLst>
             <pc:docMk/>
             <pc:sldMk cId="3933322300" sldId="258"/>
@@ -385,7 +385,7 @@
           </ac:spMkLst>
         </pc:spChg>
         <pc:spChg chg="add mod">
-          <ac:chgData name="Fredrik Jung" userId="976cd6666820994b" providerId="LiveId" clId="{46B8E8BB-A10E-4963-ABFF-776AB53D3C28}" dt="2023-04-13T13:04:15.976" v="361"/>
+          <ac:chgData name="Fredrik Jung" userId="976cd6666820994b" providerId="LiveId" clId="{46B8E8BB-A10E-4963-ABFF-776AB53D3C28}" dt="2023-04-13T14:00:33.732" v="480" actId="14100"/>
           <ac:spMkLst>
             <pc:docMk/>
             <pc:sldMk cId="3933322300" sldId="258"/>
@@ -393,7 +393,7 @@
           </ac:spMkLst>
         </pc:spChg>
         <pc:spChg chg="add mod">
-          <ac:chgData name="Fredrik Jung" userId="976cd6666820994b" providerId="LiveId" clId="{46B8E8BB-A10E-4963-ABFF-776AB53D3C28}" dt="2023-04-13T13:09:06.191" v="385" actId="20577"/>
+          <ac:chgData name="Fredrik Jung" userId="976cd6666820994b" providerId="LiveId" clId="{46B8E8BB-A10E-4963-ABFF-776AB53D3C28}" dt="2023-04-13T14:00:39.560" v="482" actId="14100"/>
           <ac:spMkLst>
             <pc:docMk/>
             <pc:sldMk cId="3933322300" sldId="258"/>
@@ -401,7 +401,7 @@
           </ac:spMkLst>
         </pc:spChg>
         <pc:spChg chg="add del mod">
-          <ac:chgData name="Fredrik Jung" userId="976cd6666820994b" providerId="LiveId" clId="{46B8E8BB-A10E-4963-ABFF-776AB53D3C28}" dt="2023-04-13T13:05:04.566" v="383" actId="404"/>
+          <ac:chgData name="Fredrik Jung" userId="976cd6666820994b" providerId="LiveId" clId="{46B8E8BB-A10E-4963-ABFF-776AB53D3C28}" dt="2023-04-13T13:59:49.418" v="454" actId="20577"/>
           <ac:spMkLst>
             <pc:docMk/>
             <pc:sldMk cId="3933322300" sldId="258"/>
@@ -6754,8 +6754,8 @@
         </p:nvSpPr>
         <p:spPr>
           <a:xfrm>
-            <a:off x="5025380" y="854015"/>
-            <a:ext cx="1332780" cy="483081"/>
+            <a:off x="4853559" y="854015"/>
+            <a:ext cx="1676410" cy="483081"/>
           </a:xfrm>
           <a:prstGeom prst="roundRect">
             <a:avLst/>
@@ -6784,9 +6784,8 @@
             <a:pPr algn="ctr"/>
             <a:r>
               <a:rPr lang="en-GB" sz="1200" dirty="0"/>
-              <a:t>Inputs</a:t>
-            </a:r>
-            <a:endParaRPr lang="en-SE" sz="1200" dirty="0"/>
+              <a:t>Input</a:t>
+            </a:r>
           </a:p>
         </p:txBody>
       </p:sp>
@@ -6804,8 +6803,8 @@
         </p:nvSpPr>
         <p:spPr>
           <a:xfrm>
-            <a:off x="5025380" y="1635508"/>
-            <a:ext cx="1332780" cy="483081"/>
+            <a:off x="4853559" y="1635508"/>
+            <a:ext cx="1676412" cy="483081"/>
           </a:xfrm>
           <a:prstGeom prst="roundRect">
             <a:avLst/>
@@ -6854,8 +6853,8 @@
         </p:nvSpPr>
         <p:spPr>
           <a:xfrm>
-            <a:off x="5031358" y="3363174"/>
-            <a:ext cx="1332780" cy="483081"/>
+            <a:off x="4853560" y="3387275"/>
+            <a:ext cx="1676419" cy="483081"/>
           </a:xfrm>
           <a:prstGeom prst="roundRect">
             <a:avLst/>
@@ -6896,7 +6895,7 @@
             </a:r>
             <a:r>
               <a:rPr lang="en-GB" sz="1200" dirty="0" err="1"/>
-              <a:t>artikel</a:t>
+              <a:t>conent-typel</a:t>
             </a:r>
             <a:endParaRPr lang="en-SE" sz="1200" dirty="0"/>
           </a:p>
@@ -7195,7 +7194,7 @@
           <a:lstStyle/>
           <a:p>
             <a:r>
-              <a:rPr lang="en-GB" dirty="0" err="1"/>
+              <a:rPr lang="en-GB" dirty="0"/>
               <a:t>ModelState.IsValid</a:t>
             </a:r>
             <a:endParaRPr lang="en-SE" dirty="0"/>
@@ -7216,8 +7215,8 @@
         </p:nvSpPr>
         <p:spPr>
           <a:xfrm>
-            <a:off x="5025380" y="4203923"/>
-            <a:ext cx="1332780" cy="483081"/>
+            <a:off x="4853559" y="4203923"/>
+            <a:ext cx="1676419" cy="483081"/>
           </a:xfrm>
           <a:prstGeom prst="roundRect">
             <a:avLst/>
@@ -7274,8 +7273,8 @@
         </p:nvSpPr>
         <p:spPr>
           <a:xfrm>
-            <a:off x="5025380" y="5020571"/>
-            <a:ext cx="1332780" cy="483081"/>
+            <a:off x="4853559" y="5020571"/>
+            <a:ext cx="1676419" cy="483081"/>
           </a:xfrm>
           <a:prstGeom prst="roundRect">
             <a:avLst/>
@@ -7347,7 +7346,7 @@
           <a:p>
             <a:r>
               <a:rPr lang="sv-SE" sz="1600" dirty="0"/>
-              <a:t>Skapa artikel</a:t>
+              <a:t>Skapa content-type</a:t>
             </a:r>
           </a:p>
         </p:txBody>

--- a/Fredrik Jung - xCore.pptx
+++ b/Fredrik Jung - xCore.pptx
@@ -120,16 +120,24 @@
   <pc:docChgLst>
     <pc:chgData name="Fredrik Jung" userId="976cd6666820994b" providerId="LiveId" clId="{46B8E8BB-A10E-4963-ABFF-776AB53D3C28}"/>
     <pc:docChg chg="undo custSel addSld modSld sldOrd">
-      <pc:chgData name="Fredrik Jung" userId="976cd6666820994b" providerId="LiveId" clId="{46B8E8BB-A10E-4963-ABFF-776AB53D3C28}" dt="2023-04-13T14:00:50.951" v="486" actId="14100"/>
+      <pc:chgData name="Fredrik Jung" userId="976cd6666820994b" providerId="LiveId" clId="{46B8E8BB-A10E-4963-ABFF-776AB53D3C28}" dt="2023-04-13T15:42:52.703" v="497" actId="1076"/>
       <pc:docMkLst>
         <pc:docMk/>
       </pc:docMkLst>
       <pc:sldChg chg="addSp delSp modSp mod">
-        <pc:chgData name="Fredrik Jung" userId="976cd6666820994b" providerId="LiveId" clId="{46B8E8BB-A10E-4963-ABFF-776AB53D3C28}" dt="2023-04-05T10:43:31.094" v="40" actId="1076"/>
+        <pc:chgData name="Fredrik Jung" userId="976cd6666820994b" providerId="LiveId" clId="{46B8E8BB-A10E-4963-ABFF-776AB53D3C28}" dt="2023-04-13T15:42:52.703" v="497" actId="1076"/>
         <pc:sldMkLst>
           <pc:docMk/>
           <pc:sldMk cId="3027690265" sldId="256"/>
         </pc:sldMkLst>
+        <pc:spChg chg="mod">
+          <ac:chgData name="Fredrik Jung" userId="976cd6666820994b" providerId="LiveId" clId="{46B8E8BB-A10E-4963-ABFF-776AB53D3C28}" dt="2023-04-13T15:41:46.587" v="487"/>
+          <ac:spMkLst>
+            <pc:docMk/>
+            <pc:sldMk cId="3027690265" sldId="256"/>
+            <ac:spMk id="16" creationId="{8FC0C721-BE24-9607-70DF-277D1489568E}"/>
+          </ac:spMkLst>
+        </pc:spChg>
         <pc:spChg chg="del">
           <ac:chgData name="Fredrik Jung" userId="976cd6666820994b" providerId="LiveId" clId="{46B8E8BB-A10E-4963-ABFF-776AB53D3C28}" dt="2023-04-05T10:41:29.017" v="19" actId="21"/>
           <ac:spMkLst>
@@ -146,6 +154,30 @@
             <ac:spMk id="34" creationId="{17AE8F67-3D49-3F0F-31EF-A40671236472}"/>
           </ac:spMkLst>
         </pc:spChg>
+        <pc:grpChg chg="add mod">
+          <ac:chgData name="Fredrik Jung" userId="976cd6666820994b" providerId="LiveId" clId="{46B8E8BB-A10E-4963-ABFF-776AB53D3C28}" dt="2023-04-13T15:41:59.684" v="490" actId="1076"/>
+          <ac:grpSpMkLst>
+            <pc:docMk/>
+            <pc:sldMk cId="3027690265" sldId="256"/>
+            <ac:grpSpMk id="3" creationId="{D1B376EE-42DE-5ED9-303B-69E6CEDBD5E1}"/>
+          </ac:grpSpMkLst>
+        </pc:grpChg>
+        <pc:grpChg chg="mod">
+          <ac:chgData name="Fredrik Jung" userId="976cd6666820994b" providerId="LiveId" clId="{46B8E8BB-A10E-4963-ABFF-776AB53D3C28}" dt="2023-04-13T15:41:46.587" v="487"/>
+          <ac:grpSpMkLst>
+            <pc:docMk/>
+            <pc:sldMk cId="3027690265" sldId="256"/>
+            <ac:grpSpMk id="12" creationId="{20863D48-0293-9CD4-59BF-390A0A982D76}"/>
+          </ac:grpSpMkLst>
+        </pc:grpChg>
+        <pc:grpChg chg="del">
+          <ac:chgData name="Fredrik Jung" userId="976cd6666820994b" providerId="LiveId" clId="{46B8E8BB-A10E-4963-ABFF-776AB53D3C28}" dt="2023-04-13T15:41:50.546" v="488" actId="478"/>
+          <ac:grpSpMkLst>
+            <pc:docMk/>
+            <pc:sldMk cId="3027690265" sldId="256"/>
+            <ac:grpSpMk id="21" creationId="{4C5F9CA2-6CEA-B07A-6C9D-0AE095C51978}"/>
+          </ac:grpSpMkLst>
+        </pc:grpChg>
         <pc:grpChg chg="mod">
           <ac:chgData name="Fredrik Jung" userId="976cd6666820994b" providerId="LiveId" clId="{46B8E8BB-A10E-4963-ABFF-776AB53D3C28}" dt="2023-04-05T10:43:05.886" v="33" actId="14100"/>
           <ac:grpSpMkLst>
@@ -154,6 +186,14 @@
             <ac:grpSpMk id="36" creationId="{D296D060-0E3B-6734-9F0B-C1078C81E4D1}"/>
           </ac:grpSpMkLst>
         </pc:grpChg>
+        <pc:graphicFrameChg chg="mod modGraphic">
+          <ac:chgData name="Fredrik Jung" userId="976cd6666820994b" providerId="LiveId" clId="{46B8E8BB-A10E-4963-ABFF-776AB53D3C28}" dt="2023-04-13T15:42:15.628" v="493" actId="1076"/>
+          <ac:graphicFrameMkLst>
+            <pc:docMk/>
+            <pc:sldMk cId="3027690265" sldId="256"/>
+            <ac:graphicFrameMk id="4" creationId="{32E25540-06E8-9549-FA86-E116EF1D5174}"/>
+          </ac:graphicFrameMkLst>
+        </pc:graphicFrameChg>
         <pc:graphicFrameChg chg="modGraphic">
           <ac:chgData name="Fredrik Jung" userId="976cd6666820994b" providerId="LiveId" clId="{46B8E8BB-A10E-4963-ABFF-776AB53D3C28}" dt="2023-04-04T10:42:52.383" v="14" actId="14734"/>
           <ac:graphicFrameMkLst>
@@ -162,8 +202,8 @@
             <ac:graphicFrameMk id="6" creationId="{A6B02D79-CA26-6249-E894-754D3D929BE9}"/>
           </ac:graphicFrameMkLst>
         </pc:graphicFrameChg>
-        <pc:cxnChg chg="add mod">
-          <ac:chgData name="Fredrik Jung" userId="976cd6666820994b" providerId="LiveId" clId="{46B8E8BB-A10E-4963-ABFF-776AB53D3C28}" dt="2023-04-05T10:41:19.438" v="18" actId="14100"/>
+        <pc:cxnChg chg="add del mod">
+          <ac:chgData name="Fredrik Jung" userId="976cd6666820994b" providerId="LiveId" clId="{46B8E8BB-A10E-4963-ABFF-776AB53D3C28}" dt="2023-04-13T15:41:52.360" v="489" actId="478"/>
           <ac:cxnSpMkLst>
             <pc:docMk/>
             <pc:sldMk cId="3027690265" sldId="256"/>
@@ -179,11 +219,51 @@
           </ac:cxnSpMkLst>
         </pc:cxnChg>
         <pc:cxnChg chg="mod">
+          <ac:chgData name="Fredrik Jung" userId="976cd6666820994b" providerId="LiveId" clId="{46B8E8BB-A10E-4963-ABFF-776AB53D3C28}" dt="2023-04-13T15:41:46.587" v="487"/>
+          <ac:cxnSpMkLst>
+            <pc:docMk/>
+            <pc:sldMk cId="3027690265" sldId="256"/>
+            <ac:cxnSpMk id="10" creationId="{83555812-C0EB-6AD4-A970-7078C427139D}"/>
+          </ac:cxnSpMkLst>
+        </pc:cxnChg>
+        <pc:cxnChg chg="mod">
+          <ac:chgData name="Fredrik Jung" userId="976cd6666820994b" providerId="LiveId" clId="{46B8E8BB-A10E-4963-ABFF-776AB53D3C28}" dt="2023-04-13T15:41:46.587" v="487"/>
+          <ac:cxnSpMkLst>
+            <pc:docMk/>
+            <pc:sldMk cId="3027690265" sldId="256"/>
+            <ac:cxnSpMk id="14" creationId="{F71F105C-0ED6-2603-0EF4-04D1056ED5F1}"/>
+          </ac:cxnSpMkLst>
+        </pc:cxnChg>
+        <pc:cxnChg chg="mod">
+          <ac:chgData name="Fredrik Jung" userId="976cd6666820994b" providerId="LiveId" clId="{46B8E8BB-A10E-4963-ABFF-776AB53D3C28}" dt="2023-04-13T15:41:46.587" v="487"/>
+          <ac:cxnSpMkLst>
+            <pc:docMk/>
+            <pc:sldMk cId="3027690265" sldId="256"/>
+            <ac:cxnSpMk id="15" creationId="{2E53C2F5-1E39-1874-E2D4-31DE071AC3F1}"/>
+          </ac:cxnSpMkLst>
+        </pc:cxnChg>
+        <pc:cxnChg chg="mod">
           <ac:chgData name="Fredrik Jung" userId="976cd6666820994b" providerId="LiveId" clId="{46B8E8BB-A10E-4963-ABFF-776AB53D3C28}" dt="2023-04-05T10:43:18.686" v="37" actId="14100"/>
           <ac:cxnSpMkLst>
             <pc:docMk/>
             <pc:sldMk cId="3027690265" sldId="256"/>
             <ac:cxnSpMk id="17" creationId="{DC5813FE-6F61-355C-FA3B-B64D41F7AE84}"/>
+          </ac:cxnSpMkLst>
+        </pc:cxnChg>
+        <pc:cxnChg chg="add mod">
+          <ac:chgData name="Fredrik Jung" userId="976cd6666820994b" providerId="LiveId" clId="{46B8E8BB-A10E-4963-ABFF-776AB53D3C28}" dt="2023-04-13T15:42:52.703" v="497" actId="1076"/>
+          <ac:cxnSpMkLst>
+            <pc:docMk/>
+            <pc:sldMk cId="3027690265" sldId="256"/>
+            <ac:cxnSpMk id="18" creationId="{49C0B7DC-F066-0CBA-7905-E5CF24AC1795}"/>
+          </ac:cxnSpMkLst>
+        </pc:cxnChg>
+        <pc:cxnChg chg="add mod">
+          <ac:chgData name="Fredrik Jung" userId="976cd6666820994b" providerId="LiveId" clId="{46B8E8BB-A10E-4963-ABFF-776AB53D3C28}" dt="2023-04-13T15:42:52.703" v="497" actId="1076"/>
+          <ac:cxnSpMkLst>
+            <pc:docMk/>
+            <pc:sldMk cId="3027690265" sldId="256"/>
+            <ac:cxnSpMk id="24" creationId="{21AB8A9F-58CE-B796-951A-7FA76BE00248}"/>
           </ac:cxnSpMkLst>
         </pc:cxnChg>
       </pc:sldChg>
@@ -3826,13 +3906,13 @@
           <p:nvPr>
             <p:extLst>
               <p:ext uri="{D42A27DB-BD31-4B8C-83A1-F6EECF244321}">
-                <p14:modId xmlns:p14="http://schemas.microsoft.com/office/powerpoint/2010/main" val="1834679535"/>
+                <p14:modId xmlns:p14="http://schemas.microsoft.com/office/powerpoint/2010/main" val="1914246959"/>
               </p:ext>
             </p:extLst>
           </p:nvPr>
         </p:nvGraphicFramePr>
         <p:xfrm>
-          <a:off x="359171" y="2834640"/>
+          <a:off x="195525" y="3035584"/>
           <a:ext cx="2721109" cy="1097280"/>
         </p:xfrm>
         <a:graphic>
@@ -3864,7 +3944,7 @@
                   </a:extLst>
                 </a:gridCol>
               </a:tblGrid>
-              <a:tr h="123970">
+              <a:tr h="0">
                 <a:tc gridSpan="3">
                   <a:txBody>
                     <a:bodyPr/>
@@ -5905,12 +5985,50 @@
           </a:graphicData>
         </a:graphic>
       </p:graphicFrame>
+      <p:cxnSp>
+        <p:nvCxnSpPr>
+          <p:cNvPr id="8" name="Rak koppling 7">
+            <a:extLst>
+              <a:ext uri="{FF2B5EF4-FFF2-40B4-BE49-F238E27FC236}">
+                <a16:creationId xmlns:a16="http://schemas.microsoft.com/office/drawing/2014/main" id="{7287EA55-AC38-1D89-892F-23C767AD7CB0}"/>
+              </a:ext>
+            </a:extLst>
+          </p:cNvPr>
+          <p:cNvCxnSpPr>
+            <a:cxnSpLocks/>
+          </p:cNvCxnSpPr>
+          <p:nvPr/>
+        </p:nvCxnSpPr>
+        <p:spPr>
+          <a:xfrm flipV="1">
+            <a:off x="3239874" y="775429"/>
+            <a:ext cx="0" cy="265430"/>
+          </a:xfrm>
+          <a:prstGeom prst="line">
+            <a:avLst/>
+          </a:prstGeom>
+        </p:spPr>
+        <p:style>
+          <a:lnRef idx="1">
+            <a:schemeClr val="dk1"/>
+          </a:lnRef>
+          <a:fillRef idx="0">
+            <a:schemeClr val="dk1"/>
+          </a:fillRef>
+          <a:effectRef idx="0">
+            <a:schemeClr val="dk1"/>
+          </a:effectRef>
+          <a:fontRef idx="minor">
+            <a:schemeClr val="tx1"/>
+          </a:fontRef>
+        </p:style>
+      </p:cxnSp>
       <p:grpSp>
         <p:nvGrpSpPr>
-          <p:cNvPr id="21" name="Grupp 20">
-            <a:extLst>
-              <a:ext uri="{FF2B5EF4-FFF2-40B4-BE49-F238E27FC236}">
-                <a16:creationId xmlns:a16="http://schemas.microsoft.com/office/drawing/2014/main" id="{4C5F9CA2-6CEA-B07A-6C9D-0AE095C51978}"/>
+          <p:cNvPr id="3" name="Grupp 2">
+            <a:extLst>
+              <a:ext uri="{FF2B5EF4-FFF2-40B4-BE49-F238E27FC236}">
+                <a16:creationId xmlns:a16="http://schemas.microsoft.com/office/drawing/2014/main" id="{D1B376EE-42DE-5ED9-303B-69E6CEDBD5E1}"/>
               </a:ext>
             </a:extLst>
           </p:cNvPr>
@@ -5918,19 +6036,19 @@
           <p:nvPr/>
         </p:nvGrpSpPr>
         <p:grpSpPr>
-          <a:xfrm rot="16200000">
-            <a:off x="982898" y="1944872"/>
-            <a:ext cx="1473653" cy="235670"/>
-            <a:chOff x="3020768" y="942680"/>
-            <a:chExt cx="1171542" cy="235670"/>
+          <a:xfrm>
+            <a:off x="1408909" y="1325880"/>
+            <a:ext cx="294344" cy="1709704"/>
+            <a:chOff x="5178313" y="2802067"/>
+            <a:chExt cx="294344" cy="1438238"/>
           </a:xfrm>
         </p:grpSpPr>
         <p:cxnSp>
           <p:nvCxnSpPr>
-            <p:cNvPr id="25" name="Rak koppling 24">
+            <p:cNvPr id="10" name="Rak koppling 9">
               <a:extLst>
                 <a:ext uri="{FF2B5EF4-FFF2-40B4-BE49-F238E27FC236}">
-                  <a16:creationId xmlns:a16="http://schemas.microsoft.com/office/drawing/2014/main" id="{DF0EF6F2-ECF5-D777-0289-6E0E26C35E53}"/>
+                  <a16:creationId xmlns:a16="http://schemas.microsoft.com/office/drawing/2014/main" id="{83555812-C0EB-6AD4-A970-7078C427139D}"/>
                 </a:ext>
               </a:extLst>
             </p:cNvPr>
@@ -5940,9 +6058,9 @@
             <p:nvPr/>
           </p:nvCxnSpPr>
           <p:spPr>
-            <a:xfrm>
-              <a:off x="3020768" y="1055802"/>
-              <a:ext cx="1171541" cy="0"/>
+            <a:xfrm rot="16200000">
+              <a:off x="4597357" y="3521188"/>
+              <a:ext cx="1438234" cy="0"/>
             </a:xfrm>
             <a:prstGeom prst="line">
               <a:avLst/>
@@ -5965,10 +6083,10 @@
         </p:cxnSp>
         <p:grpSp>
           <p:nvGrpSpPr>
-            <p:cNvPr id="27" name="Grupp 26">
+            <p:cNvPr id="12" name="Grupp 11">
               <a:extLst>
                 <a:ext uri="{FF2B5EF4-FFF2-40B4-BE49-F238E27FC236}">
-                  <a16:creationId xmlns:a16="http://schemas.microsoft.com/office/drawing/2014/main" id="{62CED72D-095D-E28D-8A7D-B4CBB4EC403D}"/>
+                  <a16:creationId xmlns:a16="http://schemas.microsoft.com/office/drawing/2014/main" id="{20863D48-0293-9CD4-59BF-390A0A982D76}"/>
                 </a:ext>
               </a:extLst>
             </p:cNvPr>
@@ -5976,19 +6094,19 @@
             <p:nvPr/>
           </p:nvGrpSpPr>
           <p:grpSpPr>
-            <a:xfrm>
-              <a:off x="3091992" y="942680"/>
-              <a:ext cx="1100318" cy="235670"/>
-              <a:chOff x="3091992" y="942680"/>
-              <a:chExt cx="1100318" cy="235670"/>
+            <a:xfrm rot="16200000">
+              <a:off x="5078277" y="2902103"/>
+              <a:ext cx="494415" cy="294344"/>
+              <a:chOff x="3789575" y="947392"/>
+              <a:chExt cx="402735" cy="230958"/>
             </a:xfrm>
           </p:grpSpPr>
           <p:cxnSp>
             <p:nvCxnSpPr>
-              <p:cNvPr id="29" name="Rak koppling 28">
+              <p:cNvPr id="14" name="Rak koppling 13">
                 <a:extLst>
                   <a:ext uri="{FF2B5EF4-FFF2-40B4-BE49-F238E27FC236}">
-                    <a16:creationId xmlns:a16="http://schemas.microsoft.com/office/drawing/2014/main" id="{7D1F1462-88D1-36DC-7C04-248695A59947}"/>
+                    <a16:creationId xmlns:a16="http://schemas.microsoft.com/office/drawing/2014/main" id="{F71F105C-0ED6-2603-0EF4-04D1056ED5F1}"/>
                   </a:ext>
                 </a:extLst>
               </p:cNvPr>
@@ -6021,10 +6139,10 @@
           </p:cxnSp>
           <p:cxnSp>
             <p:nvCxnSpPr>
-              <p:cNvPr id="30" name="Rak koppling 29">
+              <p:cNvPr id="15" name="Rak koppling 14">
                 <a:extLst>
                   <a:ext uri="{FF2B5EF4-FFF2-40B4-BE49-F238E27FC236}">
-                    <a16:creationId xmlns:a16="http://schemas.microsoft.com/office/drawing/2014/main" id="{DE20DF6F-B861-9491-C78C-1FD48CFC2014}"/>
+                    <a16:creationId xmlns:a16="http://schemas.microsoft.com/office/drawing/2014/main" id="{2E53C2F5-1E39-1874-E2D4-31DE071AC3F1}"/>
                   </a:ext>
                 </a:extLst>
               </p:cNvPr>
@@ -6057,107 +6175,58 @@
               </a:fontRef>
             </p:style>
           </p:cxnSp>
-          <p:grpSp>
-            <p:nvGrpSpPr>
-              <p:cNvPr id="31" name="Grupp 30">
+          <p:sp>
+            <p:nvSpPr>
+              <p:cNvPr id="16" name="Ellips 15">
                 <a:extLst>
                   <a:ext uri="{FF2B5EF4-FFF2-40B4-BE49-F238E27FC236}">
-                    <a16:creationId xmlns:a16="http://schemas.microsoft.com/office/drawing/2014/main" id="{970789F5-A267-5139-35B8-E3BDE2428DD4}"/>
+                    <a16:creationId xmlns:a16="http://schemas.microsoft.com/office/drawing/2014/main" id="{8FC0C721-BE24-9607-70DF-277D1489568E}"/>
                   </a:ext>
                 </a:extLst>
               </p:cNvPr>
-              <p:cNvGrpSpPr/>
+              <p:cNvSpPr/>
               <p:nvPr/>
-            </p:nvGrpSpPr>
-            <p:grpSpPr>
+            </p:nvSpPr>
+            <p:spPr>
               <a:xfrm>
-                <a:off x="3091992" y="942680"/>
-                <a:ext cx="67558" cy="235670"/>
-                <a:chOff x="3091992" y="942680"/>
-                <a:chExt cx="67558" cy="235670"/>
+                <a:off x="3789575" y="947392"/>
+                <a:ext cx="214199" cy="230958"/>
               </a:xfrm>
-            </p:grpSpPr>
-            <p:cxnSp>
-              <p:nvCxnSpPr>
-                <p:cNvPr id="32" name="Rak koppling 31">
-                  <a:extLst>
-                    <a:ext uri="{FF2B5EF4-FFF2-40B4-BE49-F238E27FC236}">
-                      <a16:creationId xmlns:a16="http://schemas.microsoft.com/office/drawing/2014/main" id="{20D72013-65EE-43A5-0030-C99D5C6FE52C}"/>
-                    </a:ext>
-                  </a:extLst>
-                </p:cNvPr>
-                <p:cNvCxnSpPr/>
-                <p:nvPr/>
-              </p:nvCxnSpPr>
-              <p:spPr>
-                <a:xfrm>
-                  <a:off x="3091992" y="942680"/>
-                  <a:ext cx="0" cy="235670"/>
-                </a:xfrm>
-                <a:prstGeom prst="line">
-                  <a:avLst/>
-                </a:prstGeom>
-              </p:spPr>
-              <p:style>
-                <a:lnRef idx="1">
-                  <a:schemeClr val="dk1"/>
-                </a:lnRef>
-                <a:fillRef idx="0">
-                  <a:schemeClr val="dk1"/>
-                </a:fillRef>
-                <a:effectRef idx="0">
-                  <a:schemeClr val="dk1"/>
-                </a:effectRef>
-                <a:fontRef idx="minor">
-                  <a:schemeClr val="tx1"/>
-                </a:fontRef>
-              </p:style>
-            </p:cxnSp>
-            <p:cxnSp>
-              <p:nvCxnSpPr>
-                <p:cNvPr id="33" name="Rak koppling 32">
-                  <a:extLst>
-                    <a:ext uri="{FF2B5EF4-FFF2-40B4-BE49-F238E27FC236}">
-                      <a16:creationId xmlns:a16="http://schemas.microsoft.com/office/drawing/2014/main" id="{5520B1CB-3A36-D573-023E-3636CABA8315}"/>
-                    </a:ext>
-                  </a:extLst>
-                </p:cNvPr>
-                <p:cNvCxnSpPr/>
-                <p:nvPr/>
-              </p:nvCxnSpPr>
-              <p:spPr>
-                <a:xfrm>
-                  <a:off x="3159550" y="942680"/>
-                  <a:ext cx="0" cy="235670"/>
-                </a:xfrm>
-                <a:prstGeom prst="line">
-                  <a:avLst/>
-                </a:prstGeom>
-              </p:spPr>
-              <p:style>
-                <a:lnRef idx="1">
-                  <a:schemeClr val="dk1"/>
-                </a:lnRef>
-                <a:fillRef idx="0">
-                  <a:schemeClr val="dk1"/>
-                </a:fillRef>
-                <a:effectRef idx="0">
-                  <a:schemeClr val="dk1"/>
-                </a:effectRef>
-                <a:fontRef idx="minor">
-                  <a:schemeClr val="tx1"/>
-                </a:fontRef>
-              </p:style>
-            </p:cxnSp>
-          </p:grpSp>
+              <a:prstGeom prst="ellipse">
+                <a:avLst/>
+              </a:prstGeom>
+            </p:spPr>
+            <p:style>
+              <a:lnRef idx="2">
+                <a:schemeClr val="dk1"/>
+              </a:lnRef>
+              <a:fillRef idx="1">
+                <a:schemeClr val="lt1"/>
+              </a:fillRef>
+              <a:effectRef idx="0">
+                <a:schemeClr val="dk1"/>
+              </a:effectRef>
+              <a:fontRef idx="minor">
+                <a:schemeClr val="dk1"/>
+              </a:fontRef>
+            </p:style>
+            <p:txBody>
+              <a:bodyPr rtlCol="0" anchor="ctr"/>
+              <a:lstStyle/>
+              <a:p>
+                <a:pPr algn="ctr"/>
+                <a:endParaRPr lang="sv-SE" dirty="0"/>
+              </a:p>
+            </p:txBody>
+          </p:sp>
         </p:grpSp>
       </p:grpSp>
       <p:cxnSp>
         <p:nvCxnSpPr>
-          <p:cNvPr id="2" name="Rak koppling 1">
-            <a:extLst>
-              <a:ext uri="{FF2B5EF4-FFF2-40B4-BE49-F238E27FC236}">
-                <a16:creationId xmlns:a16="http://schemas.microsoft.com/office/drawing/2014/main" id="{81103D47-0640-DA03-9471-431164616921}"/>
+          <p:cNvPr id="18" name="Rak koppling 17">
+            <a:extLst>
+              <a:ext uri="{FF2B5EF4-FFF2-40B4-BE49-F238E27FC236}">
+                <a16:creationId xmlns:a16="http://schemas.microsoft.com/office/drawing/2014/main" id="{49C0B7DC-F066-0CBA-7905-E5CF24AC1795}"/>
               </a:ext>
             </a:extLst>
           </p:cNvPr>
@@ -6167,9 +6236,9 @@
           <p:nvPr/>
         </p:nvCxnSpPr>
         <p:spPr>
-          <a:xfrm>
-            <a:off x="1573609" y="1595316"/>
-            <a:ext cx="263950" cy="0"/>
+          <a:xfrm flipH="1">
+            <a:off x="1422669" y="2845500"/>
+            <a:ext cx="240280" cy="0"/>
           </a:xfrm>
           <a:prstGeom prst="line">
             <a:avLst/>
@@ -6192,10 +6261,10 @@
       </p:cxnSp>
       <p:cxnSp>
         <p:nvCxnSpPr>
-          <p:cNvPr id="8" name="Rak koppling 7">
-            <a:extLst>
-              <a:ext uri="{FF2B5EF4-FFF2-40B4-BE49-F238E27FC236}">
-                <a16:creationId xmlns:a16="http://schemas.microsoft.com/office/drawing/2014/main" id="{7287EA55-AC38-1D89-892F-23C767AD7CB0}"/>
+          <p:cNvPr id="24" name="Rak koppling 23">
+            <a:extLst>
+              <a:ext uri="{FF2B5EF4-FFF2-40B4-BE49-F238E27FC236}">
+                <a16:creationId xmlns:a16="http://schemas.microsoft.com/office/drawing/2014/main" id="{21AB8A9F-58CE-B796-951A-7FA76BE00248}"/>
               </a:ext>
             </a:extLst>
           </p:cNvPr>
@@ -6205,9 +6274,9 @@
           <p:nvPr/>
         </p:nvCxnSpPr>
         <p:spPr>
-          <a:xfrm flipV="1">
-            <a:off x="3239874" y="775429"/>
-            <a:ext cx="0" cy="265430"/>
+          <a:xfrm flipH="1">
+            <a:off x="1422669" y="2933150"/>
+            <a:ext cx="240280" cy="0"/>
           </a:xfrm>
           <a:prstGeom prst="line">
             <a:avLst/>
